--- a/4 ⚙️ Solution/20 🧑‍🦰 UI/03 🤵 Brokers/.📎 Assets/🤵 .pptx
+++ b/4 ⚙️ Solution/20 🧑‍🦰 UI/03 🤵 Brokers/.📎 Assets/🤵 .pptx
@@ -25,7 +25,7 @@
       <p:boldItalic r:id="rId9"/>
     </p:embeddedFont>
     <p:embeddedFont>
-      <p:font typeface="Amazon Ember Display" panose="020B0603020204020204" pitchFamily="34" charset="0"/>
+      <p:font typeface="Amazon Ember Display" panose="020F0603020204020204" pitchFamily="34" charset="0"/>
       <p:regular r:id="rId10"/>
       <p:bold r:id="rId11"/>
       <p:italic r:id="rId12"/>
@@ -713,7 +713,7 @@
           <a:p>
             <a:fld id="{542F96DF-134D-4F6A-BFA6-E032E504EEEB}" type="datetime8">
               <a:rPr lang="en-US" smtClean="0"/>
-              <a:t>4/22/25 9:15 PM</a:t>
+              <a:t>9/16/25 9:46 AM</a:t>
             </a:fld>
             <a:endParaRPr lang="en-US" dirty="0"/>
           </a:p>
@@ -3536,7 +3536,7 @@
                   <a:schemeClr val="bg2"/>
                 </a:solidFill>
               </a:rPr>
-              <a:t>sessions</a:t>
+              <a:t>chats</a:t>
             </a:r>
           </a:p>
         </p:txBody>
@@ -3583,13 +3583,18 @@
           <a:p>
             <a:pPr algn="ctr"/>
             <a:r>
-              <a:rPr lang="en-GB" i="1" dirty="0">
+              <a:rPr lang="en-GB" i="1">
                 <a:solidFill>
                   <a:schemeClr val="bg2"/>
                 </a:solidFill>
               </a:rPr>
-              <a:t>sessions</a:t>
+              <a:t>chats</a:t>
             </a:r>
+            <a:endParaRPr lang="en-GB" i="1" dirty="0">
+              <a:solidFill>
+                <a:schemeClr val="bg2"/>
+              </a:solidFill>
+            </a:endParaRPr>
           </a:p>
         </p:txBody>
       </p:sp>

--- a/4 ⚙️ Solution/20 🧑‍🦰 UI/03 🤵 Brokers/.📎 Assets/🤵 .pptx
+++ b/4 ⚙️ Solution/20 🧑‍🦰 UI/03 🤵 Brokers/.📎 Assets/🤵 .pptx
@@ -1304,7 +1304,7 @@
         </p:nvGrpSpPr>
         <p:grpSpPr>
           <a:xfrm>
-            <a:off x="4321005" y="3090522"/>
+            <a:off x="4523305" y="3090522"/>
             <a:ext cx="3122402" cy="1014729"/>
             <a:chOff x="3502202" y="1747544"/>
             <a:chExt cx="1806068" cy="1014729"/>
@@ -1503,7 +1503,7 @@
         </p:nvGrpSpPr>
         <p:grpSpPr>
           <a:xfrm>
-            <a:off x="4321005" y="5030012"/>
+            <a:off x="4523305" y="5030012"/>
             <a:ext cx="3122397" cy="1014729"/>
             <a:chOff x="7494698" y="1006813"/>
             <a:chExt cx="1483048" cy="1014729"/>
@@ -1716,7 +1716,7 @@
         </p:nvCxnSpPr>
         <p:spPr>
           <a:xfrm rot="10800000">
-            <a:off x="4321005" y="3597888"/>
+            <a:off x="4523305" y="3597888"/>
             <a:ext cx="123904" cy="2072677"/>
           </a:xfrm>
           <a:prstGeom prst="bentConnector3">
@@ -1764,7 +1764,7 @@
         </p:nvCxnSpPr>
         <p:spPr>
           <a:xfrm flipV="1">
-            <a:off x="4723964" y="1001100"/>
+            <a:off x="4926264" y="1001100"/>
             <a:ext cx="0" cy="2089422"/>
           </a:xfrm>
           <a:prstGeom prst="straightConnector1">
@@ -1812,7 +1812,7 @@
         </p:nvCxnSpPr>
         <p:spPr>
           <a:xfrm flipV="1">
-            <a:off x="7343393" y="3597887"/>
+            <a:off x="7545693" y="3597887"/>
             <a:ext cx="100014" cy="2072677"/>
           </a:xfrm>
           <a:prstGeom prst="bentConnector3">
@@ -1860,7 +1860,7 @@
         </p:nvCxnSpPr>
         <p:spPr>
           <a:xfrm flipV="1">
-            <a:off x="4723964" y="4129009"/>
+            <a:off x="4926264" y="4129009"/>
             <a:ext cx="0" cy="910067"/>
           </a:xfrm>
           <a:prstGeom prst="straightConnector1">
@@ -1906,7 +1906,7 @@
         </p:nvCxnSpPr>
         <p:spPr>
           <a:xfrm flipV="1">
-            <a:off x="7049544" y="985692"/>
+            <a:off x="7251844" y="985692"/>
             <a:ext cx="0" cy="2104830"/>
           </a:xfrm>
           <a:prstGeom prst="straightConnector1">
@@ -1952,7 +1952,7 @@
         </p:nvCxnSpPr>
         <p:spPr>
           <a:xfrm flipV="1">
-            <a:off x="7049544" y="4113601"/>
+            <a:off x="7251844" y="4113601"/>
             <a:ext cx="0" cy="910067"/>
           </a:xfrm>
           <a:prstGeom prst="straightConnector1">
@@ -1998,7 +1998,7 @@
         </p:nvSpPr>
         <p:spPr>
           <a:xfrm>
-            <a:off x="3592109" y="1011866"/>
+            <a:off x="3794409" y="1011866"/>
             <a:ext cx="1119980" cy="400110"/>
           </a:xfrm>
           <a:prstGeom prst="rect">
@@ -2234,7 +2234,7 @@
         </p:nvSpPr>
         <p:spPr>
           <a:xfrm>
-            <a:off x="7074185" y="1011866"/>
+            <a:off x="7276485" y="1011866"/>
             <a:ext cx="1119980" cy="707886"/>
           </a:xfrm>
           <a:prstGeom prst="rect">
@@ -2474,7 +2474,7 @@
         </p:nvSpPr>
         <p:spPr>
           <a:xfrm>
-            <a:off x="3654133" y="4199649"/>
+            <a:off x="3856433" y="4199649"/>
             <a:ext cx="1057956" cy="707886"/>
           </a:xfrm>
           <a:prstGeom prst="rect">
@@ -2735,7 +2735,7 @@
         </p:nvSpPr>
         <p:spPr>
           <a:xfrm>
-            <a:off x="7061419" y="4198187"/>
+            <a:off x="7263719" y="4198187"/>
             <a:ext cx="966710" cy="707886"/>
           </a:xfrm>
           <a:prstGeom prst="rect">
@@ -2975,7 +2975,7 @@
         </p:nvSpPr>
         <p:spPr>
           <a:xfrm>
-            <a:off x="9170863" y="5056841"/>
+            <a:off x="9373163" y="5056841"/>
             <a:ext cx="1282232" cy="707886"/>
           </a:xfrm>
           <a:prstGeom prst="rect">
@@ -3240,7 +3240,7 @@
         </p:nvSpPr>
         <p:spPr>
           <a:xfrm>
-            <a:off x="1463566" y="5056841"/>
+            <a:off x="1665866" y="5056841"/>
             <a:ext cx="1269346" cy="707886"/>
           </a:xfrm>
           <a:prstGeom prst="rect">
@@ -3503,7 +3503,7 @@
         </p:nvSpPr>
         <p:spPr>
           <a:xfrm>
-            <a:off x="6049868" y="3303911"/>
+            <a:off x="6252168" y="3303911"/>
             <a:ext cx="1119975" cy="597205"/>
           </a:xfrm>
           <a:prstGeom prst="can">
@@ -3555,7 +3555,7 @@
         </p:nvSpPr>
         <p:spPr>
           <a:xfrm>
-            <a:off x="6033002" y="5233629"/>
+            <a:off x="6235302" y="5233629"/>
             <a:ext cx="1119975" cy="597205"/>
           </a:xfrm>
           <a:prstGeom prst="can">
@@ -3583,18 +3583,13 @@
           <a:p>
             <a:pPr algn="ctr"/>
             <a:r>
-              <a:rPr lang="en-GB" i="1">
+              <a:rPr lang="en-GB" i="1" dirty="0">
                 <a:solidFill>
                   <a:schemeClr val="bg2"/>
                 </a:solidFill>
               </a:rPr>
               <a:t>chats</a:t>
             </a:r>
-            <a:endParaRPr lang="en-GB" i="1" dirty="0">
-              <a:solidFill>
-                <a:schemeClr val="bg2"/>
-              </a:solidFill>
-            </a:endParaRPr>
           </a:p>
         </p:txBody>
       </p:sp>
@@ -3612,7 +3607,7 @@
         </p:nvSpPr>
         <p:spPr>
           <a:xfrm>
-            <a:off x="3825453" y="659979"/>
+            <a:off x="4027753" y="659979"/>
             <a:ext cx="360000" cy="360000"/>
           </a:xfrm>
           <a:prstGeom prst="roundRect">
@@ -3669,7 +3664,7 @@
         </p:nvSpPr>
         <p:spPr>
           <a:xfrm>
-            <a:off x="4846737" y="4367401"/>
+            <a:off x="5049037" y="4367401"/>
             <a:ext cx="360000" cy="360000"/>
           </a:xfrm>
           <a:prstGeom prst="roundRect">
@@ -3726,7 +3721,7 @@
         </p:nvSpPr>
         <p:spPr>
           <a:xfrm>
-            <a:off x="2302527" y="4691060"/>
+            <a:off x="2504827" y="4691060"/>
             <a:ext cx="360000" cy="360000"/>
           </a:xfrm>
           <a:prstGeom prst="roundRect">
@@ -3783,7 +3778,7 @@
         </p:nvSpPr>
         <p:spPr>
           <a:xfrm>
-            <a:off x="7584015" y="650030"/>
+            <a:off x="7786315" y="650030"/>
             <a:ext cx="360000" cy="360000"/>
           </a:xfrm>
           <a:prstGeom prst="roundRect">
@@ -3840,7 +3835,7 @@
         </p:nvSpPr>
         <p:spPr>
           <a:xfrm>
-            <a:off x="6566772" y="4367401"/>
+            <a:off x="6769072" y="4367401"/>
             <a:ext cx="360000" cy="360000"/>
           </a:xfrm>
           <a:prstGeom prst="roundRect">
@@ -3897,7 +3892,7 @@
         </p:nvSpPr>
         <p:spPr>
           <a:xfrm>
-            <a:off x="9270618" y="4714809"/>
+            <a:off x="9472918" y="4714809"/>
             <a:ext cx="360000" cy="360000"/>
           </a:xfrm>
           <a:prstGeom prst="roundRect">
@@ -3954,7 +3949,7 @@
         </p:nvSpPr>
         <p:spPr>
           <a:xfrm>
-            <a:off x="4321005" y="439621"/>
+            <a:off x="4523305" y="439621"/>
             <a:ext cx="3122406" cy="562183"/>
           </a:xfrm>
           <a:prstGeom prst="rect">
@@ -4026,194 +4021,62 @@
           </a:p>
         </p:txBody>
       </p:sp>
-      <p:grpSp>
-        <p:nvGrpSpPr>
-          <p:cNvPr id="4" name="Group 3">
+      <p:sp>
+        <p:nvSpPr>
+          <p:cNvPr id="2" name="Rectangle 1">
             <a:extLst>
               <a:ext uri="{FF2B5EF4-FFF2-40B4-BE49-F238E27FC236}">
-                <a16:creationId xmlns:a16="http://schemas.microsoft.com/office/drawing/2014/main" id="{1490CAFA-952B-C2E5-AD6B-1F213178F6A2}"/>
+                <a16:creationId xmlns:a16="http://schemas.microsoft.com/office/drawing/2014/main" id="{35E15083-E21A-BD7C-FF3B-D7497E24A4E4}"/>
               </a:ext>
             </a:extLst>
           </p:cNvPr>
-          <p:cNvGrpSpPr/>
+          <p:cNvSpPr/>
           <p:nvPr/>
-        </p:nvGrpSpPr>
-        <p:grpSpPr>
+        </p:nvSpPr>
+        <p:spPr>
           <a:xfrm>
-            <a:off x="5499708" y="1382304"/>
-            <a:ext cx="764990" cy="944482"/>
-            <a:chOff x="5492383" y="1295140"/>
-            <a:chExt cx="764990" cy="944482"/>
+            <a:off x="5194582" y="1708695"/>
+            <a:ext cx="1764174" cy="562183"/>
           </a:xfrm>
-        </p:grpSpPr>
-        <p:sp>
-          <p:nvSpPr>
-            <p:cNvPr id="2" name="Rectangle 1">
-              <a:extLst>
-                <a:ext uri="{FF2B5EF4-FFF2-40B4-BE49-F238E27FC236}">
-                  <a16:creationId xmlns:a16="http://schemas.microsoft.com/office/drawing/2014/main" id="{35E15083-E21A-BD7C-FF3B-D7497E24A4E4}"/>
-                </a:ext>
-              </a:extLst>
-            </p:cNvPr>
-            <p:cNvSpPr/>
-            <p:nvPr/>
-          </p:nvSpPr>
-          <p:spPr>
-            <a:xfrm>
-              <a:off x="5577147" y="1621531"/>
-              <a:ext cx="618332" cy="562183"/>
-            </a:xfrm>
-            <a:prstGeom prst="rect">
-              <a:avLst/>
-            </a:prstGeom>
+          <a:prstGeom prst="rect">
+            <a:avLst/>
+          </a:prstGeom>
+          <a:solidFill>
+            <a:schemeClr val="tx1">
+              <a:lumMod val="95000"/>
+            </a:schemeClr>
+          </a:solidFill>
+          <a:ln w="28575">
             <a:solidFill>
               <a:schemeClr val="tx1">
-                <a:lumMod val="95000"/>
+                <a:lumMod val="50000"/>
               </a:schemeClr>
             </a:solidFill>
-            <a:ln w="28575">
-              <a:solidFill>
-                <a:schemeClr val="tx1">
-                  <a:lumMod val="50000"/>
-                </a:schemeClr>
-              </a:solidFill>
-              <a:prstDash val="solid"/>
-            </a:ln>
-          </p:spPr>
-          <p:style>
-            <a:lnRef idx="2">
-              <a:schemeClr val="accent1">
-                <a:shade val="50000"/>
-              </a:schemeClr>
-            </a:lnRef>
-            <a:fillRef idx="1">
-              <a:schemeClr val="accent1"/>
-            </a:fillRef>
-            <a:effectRef idx="0">
-              <a:schemeClr val="accent1"/>
-            </a:effectRef>
-            <a:fontRef idx="minor">
-              <a:schemeClr val="lt1"/>
-            </a:fontRef>
-          </p:style>
-          <p:txBody>
-            <a:bodyPr lIns="144000" tIns="144000" rIns="144000" bIns="144000" anchor="t"/>
-            <a:lstStyle/>
-            <a:p>
-              <a:pPr>
-                <a:defRPr/>
-              </a:pPr>
-              <a:r>
-                <a:rPr lang="en-GB" sz="2400" dirty="0">
-                  <a:solidFill>
-                    <a:sysClr val="windowText" lastClr="000000"/>
-                  </a:solidFill>
-                  <a:latin typeface="+mj-lt"/>
-                  <a:cs typeface="Arial" panose="020B0604020202020204" pitchFamily="34" charset="0"/>
-                </a:rPr>
-                <a:t>📣</a:t>
-              </a:r>
-            </a:p>
-            <a:p>
-              <a:pPr>
-                <a:defRPr/>
-              </a:pPr>
-              <a:endParaRPr lang="en-GB" sz="2400" dirty="0">
-                <a:solidFill>
-                  <a:sysClr val="windowText" lastClr="000000"/>
-                </a:solidFill>
-                <a:latin typeface="+mj-lt"/>
-                <a:cs typeface="Arial" panose="020B0604020202020204" pitchFamily="34" charset="0"/>
-              </a:endParaRPr>
-            </a:p>
-            <a:p>
-              <a:pPr>
-                <a:defRPr/>
-              </a:pPr>
-              <a:endParaRPr lang="en-GB" sz="2400" dirty="0">
-                <a:solidFill>
-                  <a:sysClr val="windowText" lastClr="000000"/>
-                </a:solidFill>
-                <a:latin typeface="+mj-lt"/>
-                <a:cs typeface="Arial" panose="020B0604020202020204" pitchFamily="34" charset="0"/>
-              </a:endParaRPr>
-            </a:p>
-          </p:txBody>
-        </p:sp>
-        <p:sp>
-          <p:nvSpPr>
-            <p:cNvPr id="3" name="Rectangle 2">
-              <a:extLst>
-                <a:ext uri="{FF2B5EF4-FFF2-40B4-BE49-F238E27FC236}">
-                  <a16:creationId xmlns:a16="http://schemas.microsoft.com/office/drawing/2014/main" id="{E3DAF325-728B-48E9-6766-E6BB131F5F4F}"/>
-                </a:ext>
-              </a:extLst>
-            </p:cNvPr>
-            <p:cNvSpPr/>
-            <p:nvPr/>
-          </p:nvSpPr>
-          <p:spPr>
-            <a:xfrm>
-              <a:off x="5492383" y="1295140"/>
-              <a:ext cx="764990" cy="944482"/>
-            </a:xfrm>
-            <a:prstGeom prst="rect">
-              <a:avLst/>
-            </a:prstGeom>
-            <a:noFill/>
-            <a:ln w="12700">
-              <a:solidFill>
-                <a:srgbClr val="5A6B86"/>
-              </a:solidFill>
-              <a:prstDash val="dash"/>
-            </a:ln>
-          </p:spPr>
-          <p:style>
-            <a:lnRef idx="2">
-              <a:schemeClr val="accent1">
-                <a:shade val="50000"/>
-              </a:schemeClr>
-            </a:lnRef>
-            <a:fillRef idx="1">
-              <a:schemeClr val="accent1"/>
-            </a:fillRef>
-            <a:effectRef idx="0">
-              <a:schemeClr val="accent1"/>
-            </a:effectRef>
-            <a:fontRef idx="minor">
-              <a:schemeClr val="lt1"/>
-            </a:fontRef>
-          </p:style>
-          <p:txBody>
-            <a:bodyPr tIns="36000"/>
-            <a:lstStyle/>
-            <a:p>
-              <a:pPr eaLnBrk="1" fontAlgn="auto" hangingPunct="1">
-                <a:spcBef>
-                  <a:spcPts val="0"/>
-                </a:spcBef>
-                <a:spcAft>
-                  <a:spcPts val="0"/>
-                </a:spcAft>
-                <a:defRPr/>
-              </a:pPr>
-              <a:r>
-                <a:rPr lang="en-GB" sz="2000" dirty="0">
-                  <a:solidFill>
-                    <a:schemeClr val="bg2">
-                      <a:lumMod val="40000"/>
-                      <a:lumOff val="60000"/>
-                    </a:schemeClr>
-                  </a:solidFill>
-                  <a:effectLst>
-                    <a:glow>
-                      <a:schemeClr val="bg1"/>
-                    </a:glow>
-                  </a:effectLst>
-                </a:rPr>
-                <a:t>👥</a:t>
-              </a:r>
-              <a:endParaRPr lang="en-US" sz="2000" i="1" dirty="0">
+            <a:prstDash val="solid"/>
+          </a:ln>
+        </p:spPr>
+        <p:style>
+          <a:lnRef idx="2">
+            <a:schemeClr val="accent1">
+              <a:shade val="50000"/>
+            </a:schemeClr>
+          </a:lnRef>
+          <a:fillRef idx="1">
+            <a:schemeClr val="accent1"/>
+          </a:fillRef>
+          <a:effectRef idx="0">
+            <a:schemeClr val="accent1"/>
+          </a:effectRef>
+          <a:fontRef idx="minor">
+            <a:schemeClr val="lt1"/>
+          </a:fontRef>
+        </p:style>
+        <p:txBody>
+          <a:bodyPr lIns="144000" tIns="144000" rIns="144000" bIns="144000" anchor="ctr"/>
+          <a:lstStyle/>
+          <a:p>
+            <a:r>
+              <a:rPr lang="en-GB" sz="3200" baseline="-9000" dirty="0">
                 <a:solidFill>
                   <a:schemeClr val="bg2">
                     <a:lumMod val="40000"/>
@@ -4225,11 +4088,121 @@
                     <a:schemeClr val="bg1"/>
                   </a:glow>
                 </a:effectLst>
-              </a:endParaRPr>
-            </a:p>
-          </p:txBody>
-        </p:sp>
-      </p:grpSp>
+              </a:rPr>
+              <a:t>📣 </a:t>
+            </a:r>
+            <a:r>
+              <a:rPr lang="en-GB" sz="2400" dirty="0">
+                <a:solidFill>
+                  <a:sysClr val="windowText" lastClr="000000"/>
+                </a:solidFill>
+                <a:latin typeface="+mj-lt"/>
+                <a:cs typeface="Arial" panose="020B0604020202020204" pitchFamily="34" charset="0"/>
+              </a:rPr>
+              <a:t>Notifier</a:t>
+            </a:r>
+            <a:endParaRPr lang="en-GB" sz="3200" baseline="-9000" dirty="0">
+              <a:solidFill>
+                <a:schemeClr val="bg2">
+                  <a:lumMod val="40000"/>
+                  <a:lumOff val="60000"/>
+                </a:schemeClr>
+              </a:solidFill>
+              <a:effectLst>
+                <a:glow>
+                  <a:schemeClr val="bg1"/>
+                </a:glow>
+              </a:effectLst>
+            </a:endParaRPr>
+          </a:p>
+        </p:txBody>
+      </p:sp>
+      <p:sp>
+        <p:nvSpPr>
+          <p:cNvPr id="3" name="Rectangle 2">
+            <a:extLst>
+              <a:ext uri="{FF2B5EF4-FFF2-40B4-BE49-F238E27FC236}">
+                <a16:creationId xmlns:a16="http://schemas.microsoft.com/office/drawing/2014/main" id="{E3DAF325-728B-48E9-6766-E6BB131F5F4F}"/>
+              </a:ext>
+            </a:extLst>
+          </p:cNvPr>
+          <p:cNvSpPr/>
+          <p:nvPr/>
+        </p:nvSpPr>
+        <p:spPr>
+          <a:xfrm>
+            <a:off x="5142139" y="1343278"/>
+            <a:ext cx="1877662" cy="983508"/>
+          </a:xfrm>
+          <a:prstGeom prst="rect">
+            <a:avLst/>
+          </a:prstGeom>
+          <a:noFill/>
+          <a:ln w="12700">
+            <a:solidFill>
+              <a:srgbClr val="5A6B86"/>
+            </a:solidFill>
+            <a:prstDash val="dash"/>
+          </a:ln>
+        </p:spPr>
+        <p:style>
+          <a:lnRef idx="2">
+            <a:schemeClr val="accent1">
+              <a:shade val="50000"/>
+            </a:schemeClr>
+          </a:lnRef>
+          <a:fillRef idx="1">
+            <a:schemeClr val="accent1"/>
+          </a:fillRef>
+          <a:effectRef idx="0">
+            <a:schemeClr val="accent1"/>
+          </a:effectRef>
+          <a:fontRef idx="minor">
+            <a:schemeClr val="lt1"/>
+          </a:fontRef>
+        </p:style>
+        <p:txBody>
+          <a:bodyPr tIns="36000"/>
+          <a:lstStyle/>
+          <a:p>
+            <a:pPr>
+              <a:defRPr/>
+            </a:pPr>
+            <a:r>
+              <a:rPr lang="en-GB" sz="2000" dirty="0">
+                <a:solidFill>
+                  <a:schemeClr val="bg2">
+                    <a:lumMod val="40000"/>
+                    <a:lumOff val="60000"/>
+                  </a:schemeClr>
+                </a:solidFill>
+                <a:effectLst>
+                  <a:glow>
+                    <a:schemeClr val="bg1"/>
+                  </a:glow>
+                </a:effectLst>
+              </a:rPr>
+              <a:t>👥 </a:t>
+            </a:r>
+            <a:r>
+              <a:rPr lang="en-US" sz="2000" i="1" dirty="0">
+                <a:solidFill>
+                  <a:schemeClr val="bg2">
+                    <a:lumMod val="40000"/>
+                    <a:lumOff val="60000"/>
+                  </a:schemeClr>
+                </a:solidFill>
+                <a:effectLst>
+                  <a:glow>
+                    <a:schemeClr val="bg1"/>
+                  </a:glow>
+                </a:effectLst>
+              </a:rPr>
+              <a:t>domain</a:t>
+            </a:r>
+          </a:p>
+        </p:txBody>
+      </p:sp>
       <p:cxnSp>
         <p:nvCxnSpPr>
           <p:cNvPr id="7" name="Straight Arrow Connector 12">
@@ -4248,8 +4221,8 @@
         </p:nvCxnSpPr>
         <p:spPr>
           <a:xfrm>
-            <a:off x="5882203" y="2326786"/>
-            <a:ext cx="3" cy="763736"/>
+            <a:off x="6080970" y="2326786"/>
+            <a:ext cx="3536" cy="763736"/>
           </a:xfrm>
           <a:prstGeom prst="straightConnector1">
             <a:avLst/>
@@ -4296,8 +4269,8 @@
         </p:nvCxnSpPr>
         <p:spPr>
           <a:xfrm flipH="1">
-            <a:off x="5882203" y="1001804"/>
-            <a:ext cx="5" cy="380500"/>
+            <a:off x="6080970" y="1001804"/>
+            <a:ext cx="3538" cy="341474"/>
           </a:xfrm>
           <a:prstGeom prst="straightConnector1">
             <a:avLst/>
@@ -4340,7 +4313,7 @@
         </p:nvSpPr>
         <p:spPr>
           <a:xfrm>
-            <a:off x="5354526" y="2449397"/>
+            <a:off x="5556826" y="2449397"/>
             <a:ext cx="360000" cy="360000"/>
           </a:xfrm>
           <a:prstGeom prst="roundRect">
@@ -4397,7 +4370,7 @@
         </p:nvSpPr>
         <p:spPr>
           <a:xfrm>
-            <a:off x="6033002" y="2443828"/>
+            <a:off x="6235302" y="2443828"/>
             <a:ext cx="360000" cy="360000"/>
           </a:xfrm>
           <a:prstGeom prst="roundRect">
@@ -4454,7 +4427,7 @@
         </p:nvSpPr>
         <p:spPr>
           <a:xfrm>
-            <a:off x="4390528" y="3276926"/>
+            <a:off x="4592828" y="3276926"/>
             <a:ext cx="666871" cy="923330"/>
           </a:xfrm>
           <a:prstGeom prst="rect">
